--- a/Algorithm/_____保研岛____Python蓝桥杯/蓝桥杯Python冲刺课_课时5 二分查找 & 二分答案/Python 课时5.pptx
+++ b/Algorithm/_____保研岛____Python蓝桥杯/蓝桥杯Python冲刺课_课时5 二分查找 & 二分答案/Python 课时5.pptx
@@ -27593,8 +27593,8 @@
           </a:p>
         </p:txBody>
       </p:sp>
-      <mc:AlternateContent xmlns:mc="http://schemas.openxmlformats.org/markup-compatibility/2006">
-        <mc:Choice xmlns:p14="http://schemas.microsoft.com/office/powerpoint/2010/main" Requires="p14">
+      <mc:AlternateContent xmlns:mc="http://schemas.openxmlformats.org/markup-compatibility/2006" xmlns:p14="http://schemas.microsoft.com/office/powerpoint/2010/main">
+        <mc:Choice Requires="p14">
           <p:contentPart p14:bwMode="auto" r:id="rId3">
             <p14:nvContentPartPr>
               <p14:cNvPr id="4" name="墨迹 3">
@@ -27613,7 +27613,7 @@
             </p14:xfrm>
           </p:contentPart>
         </mc:Choice>
-        <mc:Fallback>
+        <mc:Fallback xmlns="">
           <p:pic>
             <p:nvPicPr>
               <p:cNvPr id="4" name="墨迹 3">
@@ -29536,10 +29536,10 @@
       </p:sp>
       <p:pic>
         <p:nvPicPr>
-          <p:cNvPr id="5" name="图片 4">
+          <p:cNvPr id="4" name="图片 3">
             <a:extLst>
               <a:ext uri="{FF2B5EF4-FFF2-40B4-BE49-F238E27FC236}">
-                <a16:creationId xmlns:a16="http://schemas.microsoft.com/office/drawing/2014/main" id="{625B3919-676E-7677-F051-0F158346C37E}"/>
+                <a16:creationId xmlns:a16="http://schemas.microsoft.com/office/drawing/2014/main" id="{367D8E20-921E-77AF-6002-CC8F5CB01162}"/>
               </a:ext>
             </a:extLst>
           </p:cNvPr>
@@ -29556,8 +29556,8 @@
         </p:blipFill>
         <p:spPr>
           <a:xfrm>
-            <a:off x="1006455" y="1313701"/>
-            <a:ext cx="9676158" cy="5073825"/>
+            <a:off x="974780" y="1387294"/>
+            <a:ext cx="9984059" cy="5071040"/>
           </a:xfrm>
           <a:prstGeom prst="rect">
             <a:avLst/>
